--- a/machine_learning_and_stats/misc/figures.pptx
+++ b/machine_learning_and_stats/misc/figures.pptx
@@ -4614,7 +4614,7 @@
         </p:nvSpPr>
         <p:spPr>
           <a:xfrm>
-            <a:off x="4943683" y="989411"/>
+            <a:off x="4959338" y="989411"/>
             <a:ext cx="606475" cy="456050"/>
           </a:xfrm>
           <a:prstGeom prst="downArrow">
@@ -4777,7 +4777,7 @@
         </p:nvSpPr>
         <p:spPr>
           <a:xfrm>
-            <a:off x="4974993" y="2432367"/>
+            <a:off x="4959338" y="2432367"/>
             <a:ext cx="606475" cy="571879"/>
           </a:xfrm>
           <a:prstGeom prst="downArrow">
@@ -5438,7 +5438,7 @@
         </p:nvSpPr>
         <p:spPr>
           <a:xfrm>
-            <a:off x="3482393" y="1791678"/>
+            <a:off x="3482393" y="1807353"/>
             <a:ext cx="1064715" cy="461665"/>
           </a:xfrm>
           <a:prstGeom prst="rect">
@@ -5696,6 +5696,45 @@
           <a:p>
             <a:pPr algn="ctr"/>
             <a:endParaRPr kumimoji="1" lang="ja-JP" altLang="en-US"/>
+          </a:p>
+        </p:txBody>
+      </p:sp>
+      <p:sp>
+        <p:nvSpPr>
+          <p:cNvPr id="31" name="テキスト ボックス 30">
+            <a:extLst>
+              <a:ext uri="{FF2B5EF4-FFF2-40B4-BE49-F238E27FC236}">
+                <a16:creationId xmlns:a16="http://schemas.microsoft.com/office/drawing/2014/main" id="{FCA6D631-45C8-E3D0-4340-FCCD493A72C3}"/>
+              </a:ext>
+            </a:extLst>
+          </p:cNvPr>
+          <p:cNvSpPr txBox="1"/>
+          <p:nvPr/>
+        </p:nvSpPr>
+        <p:spPr>
+          <a:xfrm>
+            <a:off x="5602313" y="388513"/>
+            <a:ext cx="572966" cy="584775"/>
+          </a:xfrm>
+          <a:prstGeom prst="rect">
+            <a:avLst/>
+          </a:prstGeom>
+          <a:noFill/>
+        </p:spPr>
+        <p:txBody>
+          <a:bodyPr wrap="square">
+            <a:spAutoFit/>
+          </a:bodyPr>
+          <a:lstStyle/>
+          <a:p>
+            <a:r>
+              <a:rPr kumimoji="1" lang="en-US" altLang="ja-JP" sz="3200" i="1" dirty="0">
+                <a:latin typeface="Times New Roman" panose="02020603050405020304" pitchFamily="18" charset="0"/>
+                <a:cs typeface="Times New Roman" panose="02020603050405020304" pitchFamily="18" charset="0"/>
+              </a:rPr>
+              <a:t>y</a:t>
+            </a:r>
+            <a:endParaRPr lang="ja-JP" altLang="en-US" sz="3200" dirty="0"/>
           </a:p>
         </p:txBody>
       </p:sp>
